--- a/Programmation structurée/P4 - Type de base, Algorithme, Groupe 1/A42 - Présentations/Mouad Kebyani.pptx
+++ b/Programmation structurée/P4 - Type de base, Algorithme, Groupe 1/A42 - Présentations/Mouad Kebyani.pptx
@@ -7,8 +7,8 @@
   <p:sldIdLst>
     <p:sldId id="258" r:id="rId2"/>
     <p:sldId id="257" r:id="rId3"/>
-    <p:sldId id="259" r:id="rId4"/>
-    <p:sldId id="260" r:id="rId5"/>
+    <p:sldId id="262" r:id="rId4"/>
+    <p:sldId id="259" r:id="rId5"/>
     <p:sldId id="261" r:id="rId6"/>
   </p:sldIdLst>
   <p:sldSz cx="12192000" cy="6858000"/>
@@ -297,7 +297,7 @@
             <a:fld id="{88D38747-4367-4BD2-8D51-C97E202738E2}" type="datetime1">
               <a:rPr lang="en-US" smtClean="0"/>
               <a:pPr/>
-              <a:t>9/23/2019</a:t>
+              <a:t>9/24/2019</a:t>
             </a:fld>
             <a:endParaRPr lang="en-US" dirty="0"/>
           </a:p>
@@ -349,7 +349,7 @@
     </p:spTree>
     <p:extLst>
       <p:ext uri="{BB962C8B-B14F-4D97-AF65-F5344CB8AC3E}">
-        <p14:creationId xmlns:p14="http://schemas.microsoft.com/office/powerpoint/2010/main" xmlns="" val="4126449147"/>
+        <p14:creationId xmlns="" xmlns:p14="http://schemas.microsoft.com/office/powerpoint/2010/main" val="4126449147"/>
       </p:ext>
     </p:extLst>
   </p:cSld>
@@ -381,7 +381,7 @@
           <p:cNvPr id="16" name="Picture 15" descr="Slate-V2-HD-panoPhotoInset.png">
             <a:extLst>
               <a:ext uri="{FF2B5EF4-FFF2-40B4-BE49-F238E27FC236}">
-                <a16:creationId xmlns="" xmlns:a16="http://schemas.microsoft.com/office/drawing/2014/main" id="{CE39118B-B3AD-4BD4-BA22-DEFF4E76CE9A}"/>
+                <a16:creationId xmlns:a16="http://schemas.microsoft.com/office/drawing/2014/main" xmlns="" id="{CE39118B-B3AD-4BD4-BA22-DEFF4E76CE9A}"/>
               </a:ext>
             </a:extLst>
           </p:cNvPr>
@@ -394,7 +394,7 @@
           <a:blip r:embed="rId2">
             <a:extLst>
               <a:ext uri="{28A0092B-C50C-407E-A947-70E740481C1C}">
-                <a14:useLocalDpi xmlns:a14="http://schemas.microsoft.com/office/drawing/2010/main" xmlns="" val="0"/>
+                <a14:useLocalDpi xmlns="" xmlns:a14="http://schemas.microsoft.com/office/drawing/2010/main" val="0"/>
               </a:ext>
             </a:extLst>
           </a:blip>
@@ -603,7 +603,7 @@
             <a:fld id="{11F1B079-7EF0-44EE-B798-BCC497C9F3B2}" type="datetime1">
               <a:rPr lang="en-US" smtClean="0"/>
               <a:pPr/>
-              <a:t>9/23/2019</a:t>
+              <a:t>9/24/2019</a:t>
             </a:fld>
             <a:endParaRPr lang="en-US" dirty="0"/>
           </a:p>
@@ -655,7 +655,7 @@
     </p:spTree>
     <p:extLst>
       <p:ext uri="{BB962C8B-B14F-4D97-AF65-F5344CB8AC3E}">
-        <p14:creationId xmlns:p14="http://schemas.microsoft.com/office/powerpoint/2010/main" xmlns="" val="3722504580"/>
+        <p14:creationId xmlns="" xmlns:p14="http://schemas.microsoft.com/office/powerpoint/2010/main" val="3722504580"/>
       </p:ext>
     </p:extLst>
   </p:cSld>
@@ -799,7 +799,7 @@
             <a:fld id="{28FF70A8-1D13-4657-95F0-A9EA54967B8D}" type="datetime1">
               <a:rPr lang="en-US" smtClean="0"/>
               <a:pPr/>
-              <a:t>9/23/2019</a:t>
+              <a:t>9/24/2019</a:t>
             </a:fld>
             <a:endParaRPr lang="en-US" dirty="0"/>
           </a:p>
@@ -851,7 +851,7 @@
     </p:spTree>
     <p:extLst>
       <p:ext uri="{BB962C8B-B14F-4D97-AF65-F5344CB8AC3E}">
-        <p14:creationId xmlns:p14="http://schemas.microsoft.com/office/powerpoint/2010/main" xmlns="" val="700297661"/>
+        <p14:creationId xmlns="" xmlns:p14="http://schemas.microsoft.com/office/powerpoint/2010/main" val="700297661"/>
       </p:ext>
     </p:extLst>
   </p:cSld>
@@ -1064,7 +1064,7 @@
             <a:fld id="{21EB90AC-71BD-4C7F-8ACA-7B3F18292E63}" type="datetime1">
               <a:rPr lang="en-US" smtClean="0"/>
               <a:pPr/>
-              <a:t>9/23/2019</a:t>
+              <a:t>9/24/2019</a:t>
             </a:fld>
             <a:endParaRPr lang="en-US" dirty="0"/>
           </a:p>
@@ -1118,7 +1118,7 @@
           <p:cNvPr id="11" name="TextBox 10">
             <a:extLst>
               <a:ext uri="{FF2B5EF4-FFF2-40B4-BE49-F238E27FC236}">
-                <a16:creationId xmlns="" xmlns:a16="http://schemas.microsoft.com/office/drawing/2014/main" id="{223F0D53-0705-41B7-8554-09D21E7807F9}"/>
+                <a16:creationId xmlns:a16="http://schemas.microsoft.com/office/drawing/2014/main" xmlns="" id="{223F0D53-0705-41B7-8554-09D21E7807F9}"/>
               </a:ext>
             </a:extLst>
           </p:cNvPr>
@@ -1240,7 +1240,7 @@
           <p:cNvPr id="13" name="TextBox 12">
             <a:extLst>
               <a:ext uri="{FF2B5EF4-FFF2-40B4-BE49-F238E27FC236}">
-                <a16:creationId xmlns="" xmlns:a16="http://schemas.microsoft.com/office/drawing/2014/main" id="{C7F647CD-0F1A-4BB3-89E0-A74F1E1B098D}"/>
+                <a16:creationId xmlns:a16="http://schemas.microsoft.com/office/drawing/2014/main" xmlns="" id="{C7F647CD-0F1A-4BB3-89E0-A74F1E1B098D}"/>
               </a:ext>
             </a:extLst>
           </p:cNvPr>
@@ -1360,7 +1360,7 @@
     </p:spTree>
     <p:extLst>
       <p:ext uri="{BB962C8B-B14F-4D97-AF65-F5344CB8AC3E}">
-        <p14:creationId xmlns:p14="http://schemas.microsoft.com/office/powerpoint/2010/main" xmlns="" val="3347630691"/>
+        <p14:creationId xmlns="" xmlns:p14="http://schemas.microsoft.com/office/powerpoint/2010/main" val="3347630691"/>
       </p:ext>
     </p:extLst>
   </p:cSld>
@@ -1502,7 +1502,7 @@
             <a:fld id="{4E6EFC2C-8905-46F0-B443-CE905B76BA01}" type="datetime1">
               <a:rPr lang="en-US" smtClean="0"/>
               <a:pPr/>
-              <a:t>9/23/2019</a:t>
+              <a:t>9/24/2019</a:t>
             </a:fld>
             <a:endParaRPr lang="en-US" dirty="0"/>
           </a:p>
@@ -1554,7 +1554,7 @@
     </p:spTree>
     <p:extLst>
       <p:ext uri="{BB962C8B-B14F-4D97-AF65-F5344CB8AC3E}">
-        <p14:creationId xmlns:p14="http://schemas.microsoft.com/office/powerpoint/2010/main" xmlns="" val="2870505714"/>
+        <p14:creationId xmlns="" xmlns:p14="http://schemas.microsoft.com/office/powerpoint/2010/main" val="2870505714"/>
       </p:ext>
     </p:extLst>
   </p:cSld>
@@ -2041,7 +2041,7 @@
             <a:fld id="{D9079DC3-C9B5-499E-9140-0DC28B7074E2}" type="datetime1">
               <a:rPr lang="en-US" smtClean="0"/>
               <a:pPr/>
-              <a:t>9/23/2019</a:t>
+              <a:t>9/24/2019</a:t>
             </a:fld>
             <a:endParaRPr lang="en-US" dirty="0"/>
           </a:p>
@@ -2093,7 +2093,7 @@
     </p:spTree>
     <p:extLst>
       <p:ext uri="{BB962C8B-B14F-4D97-AF65-F5344CB8AC3E}">
-        <p14:creationId xmlns:p14="http://schemas.microsoft.com/office/powerpoint/2010/main" xmlns="" val="3141412585"/>
+        <p14:creationId xmlns="" xmlns:p14="http://schemas.microsoft.com/office/powerpoint/2010/main" val="3141412585"/>
       </p:ext>
     </p:extLst>
   </p:cSld>
@@ -2125,7 +2125,7 @@
           <p:cNvPr id="2" name="Picture 1" descr="Slate-V2-HD-3colPhotoInset.png">
             <a:extLst>
               <a:ext uri="{FF2B5EF4-FFF2-40B4-BE49-F238E27FC236}">
-                <a16:creationId xmlns="" xmlns:a16="http://schemas.microsoft.com/office/drawing/2014/main" id="{7E87C569-D426-4615-ADA7-B370EA98340A}"/>
+                <a16:creationId xmlns:a16="http://schemas.microsoft.com/office/drawing/2014/main" xmlns="" id="{7E87C569-D426-4615-ADA7-B370EA98340A}"/>
               </a:ext>
             </a:extLst>
           </p:cNvPr>
@@ -2138,7 +2138,7 @@
           <a:blip r:embed="rId2">
             <a:extLst>
               <a:ext uri="{28A0092B-C50C-407E-A947-70E740481C1C}">
-                <a14:useLocalDpi xmlns:a14="http://schemas.microsoft.com/office/drawing/2010/main" xmlns="" val="0"/>
+                <a14:useLocalDpi xmlns="" xmlns:a14="http://schemas.microsoft.com/office/drawing/2010/main" val="0"/>
               </a:ext>
             </a:extLst>
           </a:blip>
@@ -2161,7 +2161,7 @@
           <p:cNvPr id="36" name="Picture 35" descr="Slate-V2-HD-3colPhotoInset.png">
             <a:extLst>
               <a:ext uri="{FF2B5EF4-FFF2-40B4-BE49-F238E27FC236}">
-                <a16:creationId xmlns="" xmlns:a16="http://schemas.microsoft.com/office/drawing/2014/main" id="{7B353ED4-7AD0-46C9-88ED-1A16B1433AF7}"/>
+                <a16:creationId xmlns:a16="http://schemas.microsoft.com/office/drawing/2014/main" xmlns="" id="{7B353ED4-7AD0-46C9-88ED-1A16B1433AF7}"/>
               </a:ext>
             </a:extLst>
           </p:cNvPr>
@@ -2174,7 +2174,7 @@
           <a:blip r:embed="rId2">
             <a:extLst>
               <a:ext uri="{28A0092B-C50C-407E-A947-70E740481C1C}">
-                <a14:useLocalDpi xmlns:a14="http://schemas.microsoft.com/office/drawing/2010/main" xmlns="" val="0"/>
+                <a14:useLocalDpi xmlns="" xmlns:a14="http://schemas.microsoft.com/office/drawing/2010/main" val="0"/>
               </a:ext>
             </a:extLst>
           </a:blip>
@@ -2197,7 +2197,7 @@
           <p:cNvPr id="37" name="Picture 36" descr="Slate-V2-HD-3colPhotoInset.png">
             <a:extLst>
               <a:ext uri="{FF2B5EF4-FFF2-40B4-BE49-F238E27FC236}">
-                <a16:creationId xmlns="" xmlns:a16="http://schemas.microsoft.com/office/drawing/2014/main" id="{F561D985-AD57-459A-B3A6-EBF296039766}"/>
+                <a16:creationId xmlns:a16="http://schemas.microsoft.com/office/drawing/2014/main" xmlns="" id="{F561D985-AD57-459A-B3A6-EBF296039766}"/>
               </a:ext>
             </a:extLst>
           </p:cNvPr>
@@ -2210,7 +2210,7 @@
           <a:blip r:embed="rId2">
             <a:extLst>
               <a:ext uri="{28A0092B-C50C-407E-A947-70E740481C1C}">
-                <a14:useLocalDpi xmlns:a14="http://schemas.microsoft.com/office/drawing/2010/main" xmlns="" val="0"/>
+                <a14:useLocalDpi xmlns="" xmlns:a14="http://schemas.microsoft.com/office/drawing/2010/main" val="0"/>
               </a:ext>
             </a:extLst>
           </a:blip>
@@ -2925,7 +2925,7 @@
             <a:fld id="{30BB33EA-E472-4D22-9C03-A9C14AA21CED}" type="datetime1">
               <a:rPr lang="en-US" smtClean="0"/>
               <a:pPr/>
-              <a:t>9/23/2019</a:t>
+              <a:t>9/24/2019</a:t>
             </a:fld>
             <a:endParaRPr lang="en-US" dirty="0"/>
           </a:p>
@@ -2977,7 +2977,7 @@
     </p:spTree>
     <p:extLst>
       <p:ext uri="{BB962C8B-B14F-4D97-AF65-F5344CB8AC3E}">
-        <p14:creationId xmlns:p14="http://schemas.microsoft.com/office/powerpoint/2010/main" xmlns="" val="1363429995"/>
+        <p14:creationId xmlns="" xmlns:p14="http://schemas.microsoft.com/office/powerpoint/2010/main" val="1363429995"/>
       </p:ext>
     </p:extLst>
   </p:cSld>
@@ -3097,7 +3097,7 @@
             <a:fld id="{217E833E-1B6D-415F-AD29-75AE8C43BD0D}" type="datetime1">
               <a:rPr lang="en-US" smtClean="0"/>
               <a:pPr/>
-              <a:t>9/23/2019</a:t>
+              <a:t>9/24/2019</a:t>
             </a:fld>
             <a:endParaRPr lang="en-US" dirty="0"/>
           </a:p>
@@ -3149,7 +3149,7 @@
     </p:spTree>
     <p:extLst>
       <p:ext uri="{BB962C8B-B14F-4D97-AF65-F5344CB8AC3E}">
-        <p14:creationId xmlns:p14="http://schemas.microsoft.com/office/powerpoint/2010/main" xmlns="" val="120513393"/>
+        <p14:creationId xmlns="" xmlns:p14="http://schemas.microsoft.com/office/powerpoint/2010/main" val="120513393"/>
       </p:ext>
     </p:extLst>
   </p:cSld>
@@ -3283,7 +3283,7 @@
             <a:fld id="{8452596F-08A7-4B70-989A-F2B1CF31E66B}" type="datetime1">
               <a:rPr lang="en-US" smtClean="0"/>
               <a:pPr/>
-              <a:t>9/23/2019</a:t>
+              <a:t>9/24/2019</a:t>
             </a:fld>
             <a:endParaRPr lang="en-US" dirty="0"/>
           </a:p>
@@ -3335,7 +3335,7 @@
     </p:spTree>
     <p:extLst>
       <p:ext uri="{BB962C8B-B14F-4D97-AF65-F5344CB8AC3E}">
-        <p14:creationId xmlns:p14="http://schemas.microsoft.com/office/powerpoint/2010/main" xmlns="" val="997670871"/>
+        <p14:creationId xmlns="" xmlns:p14="http://schemas.microsoft.com/office/powerpoint/2010/main" val="997670871"/>
       </p:ext>
     </p:extLst>
   </p:cSld>
@@ -3455,7 +3455,7 @@
             <a:fld id="{73C55A3C-5767-4844-A0A3-83778C2E5409}" type="datetime1">
               <a:rPr lang="en-US" smtClean="0"/>
               <a:pPr/>
-              <a:t>9/23/2019</a:t>
+              <a:t>9/24/2019</a:t>
             </a:fld>
             <a:endParaRPr lang="en-US" dirty="0"/>
           </a:p>
@@ -3507,7 +3507,7 @@
     </p:spTree>
     <p:extLst>
       <p:ext uri="{BB962C8B-B14F-4D97-AF65-F5344CB8AC3E}">
-        <p14:creationId xmlns:p14="http://schemas.microsoft.com/office/powerpoint/2010/main" xmlns="" val="22725337"/>
+        <p14:creationId xmlns="" xmlns:p14="http://schemas.microsoft.com/office/powerpoint/2010/main" val="22725337"/>
       </p:ext>
     </p:extLst>
   </p:cSld>
@@ -3701,7 +3701,7 @@
             <a:fld id="{CAE507A8-A5CF-4D38-AB86-7EDDA87A85D4}" type="datetime1">
               <a:rPr lang="en-US" smtClean="0"/>
               <a:pPr/>
-              <a:t>9/23/2019</a:t>
+              <a:t>9/24/2019</a:t>
             </a:fld>
             <a:endParaRPr lang="en-US" dirty="0"/>
           </a:p>
@@ -3753,7 +3753,7 @@
     </p:spTree>
     <p:extLst>
       <p:ext uri="{BB962C8B-B14F-4D97-AF65-F5344CB8AC3E}">
-        <p14:creationId xmlns:p14="http://schemas.microsoft.com/office/powerpoint/2010/main" xmlns="" val="729963616"/>
+        <p14:creationId xmlns="" xmlns:p14="http://schemas.microsoft.com/office/powerpoint/2010/main" val="729963616"/>
       </p:ext>
     </p:extLst>
   </p:cSld>
@@ -3944,7 +3944,7 @@
             <a:fld id="{BDFCD27C-8599-43EF-BA1D-14DDC1946E06}" type="datetime1">
               <a:rPr lang="en-US" smtClean="0"/>
               <a:pPr/>
-              <a:t>9/23/2019</a:t>
+              <a:t>9/24/2019</a:t>
             </a:fld>
             <a:endParaRPr lang="en-US" dirty="0"/>
           </a:p>
@@ -3996,7 +3996,7 @@
     </p:spTree>
     <p:extLst>
       <p:ext uri="{BB962C8B-B14F-4D97-AF65-F5344CB8AC3E}">
-        <p14:creationId xmlns:p14="http://schemas.microsoft.com/office/powerpoint/2010/main" xmlns="" val="1227608063"/>
+        <p14:creationId xmlns="" xmlns:p14="http://schemas.microsoft.com/office/powerpoint/2010/main" val="1227608063"/>
       </p:ext>
     </p:extLst>
   </p:cSld>
@@ -4028,7 +4028,7 @@
           <p:cNvPr id="20" name="Picture 19" descr="Slate-V2-HD-compPhotoInset.png">
             <a:extLst>
               <a:ext uri="{FF2B5EF4-FFF2-40B4-BE49-F238E27FC236}">
-                <a16:creationId xmlns="" xmlns:a16="http://schemas.microsoft.com/office/drawing/2014/main" id="{37B721FF-D609-4D98-9D19-CF75AA8A54FC}"/>
+                <a16:creationId xmlns:a16="http://schemas.microsoft.com/office/drawing/2014/main" xmlns="" id="{37B721FF-D609-4D98-9D19-CF75AA8A54FC}"/>
               </a:ext>
             </a:extLst>
           </p:cNvPr>
@@ -4041,7 +4041,7 @@
           <a:blip r:embed="rId2">
             <a:extLst>
               <a:ext uri="{28A0092B-C50C-407E-A947-70E740481C1C}">
-                <a14:useLocalDpi xmlns:a14="http://schemas.microsoft.com/office/drawing/2010/main" xmlns="" val="0"/>
+                <a14:useLocalDpi xmlns="" xmlns:a14="http://schemas.microsoft.com/office/drawing/2010/main" val="0"/>
               </a:ext>
             </a:extLst>
           </a:blip>
@@ -4064,7 +4064,7 @@
           <p:cNvPr id="21" name="Picture 20" descr="Slate-V2-HD-compPhotoInset.png">
             <a:extLst>
               <a:ext uri="{FF2B5EF4-FFF2-40B4-BE49-F238E27FC236}">
-                <a16:creationId xmlns="" xmlns:a16="http://schemas.microsoft.com/office/drawing/2014/main" id="{073936BD-C868-433F-8E84-D6DD8E640E3E}"/>
+                <a16:creationId xmlns:a16="http://schemas.microsoft.com/office/drawing/2014/main" xmlns="" id="{073936BD-C868-433F-8E84-D6DD8E640E3E}"/>
               </a:ext>
             </a:extLst>
           </p:cNvPr>
@@ -4077,7 +4077,7 @@
           <a:blip r:embed="rId2">
             <a:extLst>
               <a:ext uri="{28A0092B-C50C-407E-A947-70E740481C1C}">
-                <a14:useLocalDpi xmlns:a14="http://schemas.microsoft.com/office/drawing/2010/main" xmlns="" val="0"/>
+                <a14:useLocalDpi xmlns="" xmlns:a14="http://schemas.microsoft.com/office/drawing/2010/main" val="0"/>
               </a:ext>
             </a:extLst>
           </a:blip>
@@ -4427,7 +4427,7 @@
             <a:fld id="{49343D99-809A-49C0-96E5-4250D0B498EE}" type="datetime1">
               <a:rPr lang="en-US" smtClean="0"/>
               <a:pPr/>
-              <a:t>9/23/2019</a:t>
+              <a:t>9/24/2019</a:t>
             </a:fld>
             <a:endParaRPr lang="en-US" dirty="0"/>
           </a:p>
@@ -4479,7 +4479,7 @@
     </p:spTree>
     <p:extLst>
       <p:ext uri="{BB962C8B-B14F-4D97-AF65-F5344CB8AC3E}">
-        <p14:creationId xmlns:p14="http://schemas.microsoft.com/office/powerpoint/2010/main" xmlns="" val="2234148518"/>
+        <p14:creationId xmlns="" xmlns:p14="http://schemas.microsoft.com/office/powerpoint/2010/main" val="2234148518"/>
       </p:ext>
     </p:extLst>
   </p:cSld>
@@ -4547,7 +4547,7 @@
             <a:fld id="{A143DE9B-B678-4EFB-BB7D-A4370204A0B0}" type="datetime1">
               <a:rPr lang="en-US" smtClean="0"/>
               <a:pPr/>
-              <a:t>9/23/2019</a:t>
+              <a:t>9/24/2019</a:t>
             </a:fld>
             <a:endParaRPr lang="en-US" dirty="0"/>
           </a:p>
@@ -4599,7 +4599,7 @@
     </p:spTree>
     <p:extLst>
       <p:ext uri="{BB962C8B-B14F-4D97-AF65-F5344CB8AC3E}">
-        <p14:creationId xmlns:p14="http://schemas.microsoft.com/office/powerpoint/2010/main" xmlns="" val="3627371389"/>
+        <p14:creationId xmlns="" xmlns:p14="http://schemas.microsoft.com/office/powerpoint/2010/main" val="3627371389"/>
       </p:ext>
     </p:extLst>
   </p:cSld>
@@ -4644,7 +4644,7 @@
             <a:fld id="{E68812DA-F765-4142-A6A3-A8ED7235E082}" type="datetime1">
               <a:rPr lang="en-US" smtClean="0"/>
               <a:pPr/>
-              <a:t>9/23/2019</a:t>
+              <a:t>9/24/2019</a:t>
             </a:fld>
             <a:endParaRPr lang="en-US" dirty="0"/>
           </a:p>
@@ -4696,7 +4696,7 @@
     </p:spTree>
     <p:extLst>
       <p:ext uri="{BB962C8B-B14F-4D97-AF65-F5344CB8AC3E}">
-        <p14:creationId xmlns:p14="http://schemas.microsoft.com/office/powerpoint/2010/main" xmlns="" val="852804089"/>
+        <p14:creationId xmlns="" xmlns:p14="http://schemas.microsoft.com/office/powerpoint/2010/main" val="852804089"/>
       </p:ext>
     </p:extLst>
   </p:cSld>
@@ -4901,7 +4901,7 @@
             <a:fld id="{3E0277FD-7DE6-41D4-930D-AC99F5AFE54E}" type="datetime1">
               <a:rPr lang="en-US" smtClean="0"/>
               <a:pPr/>
-              <a:t>9/23/2019</a:t>
+              <a:t>9/24/2019</a:t>
             </a:fld>
             <a:endParaRPr lang="en-US" dirty="0"/>
           </a:p>
@@ -4953,7 +4953,7 @@
     </p:spTree>
     <p:extLst>
       <p:ext uri="{BB962C8B-B14F-4D97-AF65-F5344CB8AC3E}">
-        <p14:creationId xmlns:p14="http://schemas.microsoft.com/office/powerpoint/2010/main" xmlns="" val="2224024509"/>
+        <p14:creationId xmlns="" xmlns:p14="http://schemas.microsoft.com/office/powerpoint/2010/main" val="2224024509"/>
       </p:ext>
     </p:extLst>
   </p:cSld>
@@ -4985,7 +4985,7 @@
           <p:cNvPr id="22" name="Picture 21" descr="Slate-V2-HD-vertPhotoInset.png">
             <a:extLst>
               <a:ext uri="{FF2B5EF4-FFF2-40B4-BE49-F238E27FC236}">
-                <a16:creationId xmlns="" xmlns:a16="http://schemas.microsoft.com/office/drawing/2014/main" id="{4D06E496-ACBA-4063-B4A1-C5C484EE5A77}"/>
+                <a16:creationId xmlns:a16="http://schemas.microsoft.com/office/drawing/2014/main" xmlns="" id="{4D06E496-ACBA-4063-B4A1-C5C484EE5A77}"/>
               </a:ext>
             </a:extLst>
           </p:cNvPr>
@@ -4998,7 +4998,7 @@
           <a:blip r:embed="rId2">
             <a:extLst>
               <a:ext uri="{28A0092B-C50C-407E-A947-70E740481C1C}">
-                <a14:useLocalDpi xmlns:a14="http://schemas.microsoft.com/office/drawing/2010/main" xmlns="" val="0"/>
+                <a14:useLocalDpi xmlns="" xmlns:a14="http://schemas.microsoft.com/office/drawing/2010/main" val="0"/>
               </a:ext>
             </a:extLst>
           </a:blip>
@@ -5209,7 +5209,7 @@
             <a:fld id="{9EA15526-7079-4B7B-987C-1B5FAE11A0FF}" type="datetime1">
               <a:rPr lang="en-US" smtClean="0"/>
               <a:pPr/>
-              <a:t>9/23/2019</a:t>
+              <a:t>9/24/2019</a:t>
             </a:fld>
             <a:endParaRPr lang="en-US" dirty="0"/>
           </a:p>
@@ -5262,7 +5262,7 @@
     </p:spTree>
     <p:extLst>
       <p:ext uri="{BB962C8B-B14F-4D97-AF65-F5344CB8AC3E}">
-        <p14:creationId xmlns:p14="http://schemas.microsoft.com/office/powerpoint/2010/main" xmlns="" val="3966066891"/>
+        <p14:creationId xmlns="" xmlns:p14="http://schemas.microsoft.com/office/powerpoint/2010/main" val="3966066891"/>
       </p:ext>
     </p:extLst>
   </p:cSld>
@@ -5446,7 +5446,7 @@
             <a:fld id="{073ED0CC-082F-4160-86E5-0D6041F12778}" type="datetime1">
               <a:rPr lang="en-US" smtClean="0"/>
               <a:pPr/>
-              <a:t>9/23/2019</a:t>
+              <a:t>9/24/2019</a:t>
             </a:fld>
             <a:endParaRPr lang="en-US" dirty="0"/>
           </a:p>
@@ -5548,7 +5548,7 @@
     </p:spTree>
     <p:extLst>
       <p:ext uri="{BB962C8B-B14F-4D97-AF65-F5344CB8AC3E}">
-        <p14:creationId xmlns:p14="http://schemas.microsoft.com/office/powerpoint/2010/main" xmlns="" val="335428078"/>
+        <p14:creationId xmlns="" xmlns:p14="http://schemas.microsoft.com/office/powerpoint/2010/main" val="335428078"/>
       </p:ext>
     </p:extLst>
   </p:cSld>
@@ -6127,7 +6127,7 @@
           <p:cNvPr id="2" name="Titre 1">
             <a:extLst>
               <a:ext uri="{FF2B5EF4-FFF2-40B4-BE49-F238E27FC236}">
-                <a16:creationId xmlns="" xmlns:a16="http://schemas.microsoft.com/office/drawing/2014/main" id="{4E84C635-A1F5-4B42-8AA4-33A226DAC572}"/>
+                <a16:creationId xmlns:a16="http://schemas.microsoft.com/office/drawing/2014/main" xmlns="" id="{4E84C635-A1F5-4B42-8AA4-33A226DAC572}"/>
               </a:ext>
             </a:extLst>
           </p:cNvPr>
@@ -6158,7 +6158,7 @@
     </p:spTree>
     <p:extLst>
       <p:ext uri="{BB962C8B-B14F-4D97-AF65-F5344CB8AC3E}">
-        <p14:creationId xmlns:p14="http://schemas.microsoft.com/office/powerpoint/2010/main" xmlns="" val="3260249812"/>
+        <p14:creationId xmlns="" xmlns:p14="http://schemas.microsoft.com/office/powerpoint/2010/main" val="3260249812"/>
       </p:ext>
     </p:extLst>
   </p:cSld>
@@ -6190,7 +6190,7 @@
           <p:cNvPr id="2" name="Titre 1">
             <a:extLst>
               <a:ext uri="{FF2B5EF4-FFF2-40B4-BE49-F238E27FC236}">
-                <a16:creationId xmlns="" xmlns:a16="http://schemas.microsoft.com/office/drawing/2014/main" id="{D547019D-02C1-43F6-B6BE-4C08E27B7FC5}"/>
+                <a16:creationId xmlns:a16="http://schemas.microsoft.com/office/drawing/2014/main" xmlns="" id="{D547019D-02C1-43F6-B6BE-4C08E27B7FC5}"/>
               </a:ext>
             </a:extLst>
           </p:cNvPr>
@@ -6223,7 +6223,7 @@
           <p:cNvPr id="3" name="Espace réservé du contenu 2">
             <a:extLst>
               <a:ext uri="{FF2B5EF4-FFF2-40B4-BE49-F238E27FC236}">
-                <a16:creationId xmlns="" xmlns:a16="http://schemas.microsoft.com/office/drawing/2014/main" id="{315A8AB2-D088-4FB9-94DA-13EEE7C9538A}"/>
+                <a16:creationId xmlns:a16="http://schemas.microsoft.com/office/drawing/2014/main" xmlns="" id="{315A8AB2-D088-4FB9-94DA-13EEE7C9538A}"/>
               </a:ext>
             </a:extLst>
           </p:cNvPr>
@@ -6236,17 +6236,30 @@
         </p:nvSpPr>
         <p:spPr>
           <a:xfrm>
-            <a:off x="985379" y="2905553"/>
-            <a:ext cx="10353762" cy="3790121"/>
+            <a:off x="985379" y="2508069"/>
+            <a:ext cx="10353762" cy="4187605"/>
           </a:xfrm>
         </p:spPr>
         <p:txBody>
           <a:bodyPr/>
           <a:lstStyle/>
           <a:p>
+            <a:pPr>
+              <a:buNone/>
+            </a:pPr>
+            <a:r>
+              <a:rPr lang="fr-FR" sz="2800" dirty="0" smtClean="0"/>
+              <a:t>Inroduction:</a:t>
+            </a:r>
+          </a:p>
+          <a:p>
+            <a:r>
+              <a:rPr lang="fr-FR" dirty="0" smtClean="0"/>
+              <a:t>Les </a:t>
+            </a:r>
             <a:r>
               <a:rPr lang="fr-FR" dirty="0"/>
-              <a:t>Les Entiers : pour manipuler les nombres entiers positifs ou négatifs. exemple: 1,-3</a:t>
+              <a:t>Entiers : pour manipuler les nombres entiers positifs ou négatifs. exemple: 1,-3</a:t>
             </a:r>
           </a:p>
           <a:p>
@@ -6257,13 +6270,7 @@
           </a:p>
           <a:p>
             <a:r>
-              <a:rPr lang="fr-FR" dirty="0"/>
-              <a:t>Les Caractères : pour manipuler des caractères alphabétiques et numériques. Par exemple : A,B,1,3 etc. </a:t>
-            </a:r>
-          </a:p>
-          <a:p>
-            <a:r>
-              <a:rPr lang="fr-FR" dirty="0"/>
+              <a:rPr lang="fr-FR" dirty="0" smtClean="0"/>
               <a:t>Les </a:t>
             </a:r>
             <a:r>
@@ -6272,15 +6279,26 @@
             </a:r>
             <a:r>
               <a:rPr lang="fr-FR" dirty="0"/>
-              <a:t>: pour manipuler des chaînes de caractères permettant de représenter des mots ou des phrases. Par exemple : « salut, madame »</a:t>
-            </a:r>
+              <a:t>: pour manipuler des chaînes de caractères permettant de représenter des mots ou des phrases. Par exemple : « salut, madame </a:t>
+            </a:r>
+            <a:r>
+              <a:rPr lang="fr-FR" dirty="0" smtClean="0"/>
+              <a:t>»</a:t>
+            </a:r>
+          </a:p>
+          <a:p>
+            <a:r>
+              <a:rPr lang="fr-FR" dirty="0" smtClean="0"/>
+              <a:t>Baoléen : vrai ou faux</a:t>
+            </a:r>
+            <a:endParaRPr lang="fr-FR" dirty="0"/>
           </a:p>
         </p:txBody>
       </p:sp>
     </p:spTree>
     <p:extLst>
       <p:ext uri="{BB962C8B-B14F-4D97-AF65-F5344CB8AC3E}">
-        <p14:creationId xmlns:p14="http://schemas.microsoft.com/office/powerpoint/2010/main" xmlns="" val="1222306299"/>
+        <p14:creationId xmlns="" xmlns:p14="http://schemas.microsoft.com/office/powerpoint/2010/main" val="1222306299"/>
       </p:ext>
     </p:extLst>
   </p:cSld>
@@ -6309,342 +6327,18 @@
       </p:grpSpPr>
       <p:sp>
         <p:nvSpPr>
-          <p:cNvPr id="2" name="Titre 1">
-            <a:extLst>
-              <a:ext uri="{FF2B5EF4-FFF2-40B4-BE49-F238E27FC236}">
-                <a16:creationId xmlns="" xmlns:a16="http://schemas.microsoft.com/office/drawing/2014/main" id="{EED55B60-355B-4DBA-9FDB-DDF22699C7C0}"/>
-              </a:ext>
-            </a:extLst>
-          </p:cNvPr>
-          <p:cNvSpPr>
-            <a:spLocks noGrp="1"/>
-          </p:cNvSpPr>
-          <p:nvPr>
-            <p:ph type="title"/>
+          <p:cNvPr id="3" name="Espace réservé du contenu 2"/>
+          <p:cNvSpPr>
+            <a:spLocks noGrp="1"/>
+          </p:cNvSpPr>
+          <p:nvPr>
+            <p:ph idx="1"/>
           </p:nvPr>
         </p:nvSpPr>
         <p:spPr>
           <a:xfrm>
-            <a:off x="-411423" y="278296"/>
-            <a:ext cx="10353762" cy="1257300"/>
-          </a:xfrm>
-        </p:spPr>
-        <p:txBody>
-          <a:bodyPr/>
-          <a:lstStyle/>
-          <a:p>
-            <a:pPr marL="571500" indent="-571500">
-              <a:buFont typeface="Arial" panose="020B0604020202020204" pitchFamily="34" charset="0"/>
-              <a:buChar char="•"/>
-            </a:pPr>
-            <a:r>
-              <a:rPr lang="fr-FR" dirty="0"/>
-              <a:t>Les exemples des types de l’algorithme </a:t>
-            </a:r>
-          </a:p>
-        </p:txBody>
-      </p:sp>
-      <p:sp>
-        <p:nvSpPr>
-          <p:cNvPr id="3" name="Espace réservé du contenu 2">
-            <a:extLst>
-              <a:ext uri="{FF2B5EF4-FFF2-40B4-BE49-F238E27FC236}">
-                <a16:creationId xmlns="" xmlns:a16="http://schemas.microsoft.com/office/drawing/2014/main" id="{D6DE4BDA-59FB-46EC-88EA-6C7A5FF8BEB0}"/>
-              </a:ext>
-            </a:extLst>
-          </p:cNvPr>
-          <p:cNvSpPr>
-            <a:spLocks noGrp="1"/>
-          </p:cNvSpPr>
-          <p:nvPr>
-            <p:ph idx="1"/>
-          </p:nvPr>
-        </p:nvSpPr>
-        <p:spPr>
-          <a:xfrm>
-            <a:off x="900916" y="1728719"/>
-            <a:ext cx="10353762" cy="5689511"/>
-          </a:xfrm>
-        </p:spPr>
-        <p:txBody>
-          <a:bodyPr>
-            <a:normAutofit fontScale="70000" lnSpcReduction="20000"/>
-          </a:bodyPr>
-          <a:lstStyle/>
-          <a:p>
-            <a:pPr>
-              <a:buFont typeface="Wingdings" panose="05000000000000000000" pitchFamily="2" charset="2"/>
-              <a:buChar char="ü"/>
-            </a:pPr>
-            <a:r>
-              <a:rPr lang="fr-FR" sz="2400" dirty="0"/>
-              <a:t>Exemple type </a:t>
-            </a:r>
-            <a:r>
-              <a:rPr lang="fr-FR" sz="2400" dirty="0" smtClean="0"/>
-              <a:t>chaine de caractère  :</a:t>
-            </a:r>
-            <a:endParaRPr lang="fr-FR" sz="2400" dirty="0"/>
-          </a:p>
-          <a:p>
-            <a:pPr marL="36900" indent="0">
-              <a:buNone/>
-            </a:pPr>
-            <a:r>
-              <a:rPr lang="fr-FR" sz="2400" dirty="0"/>
-              <a:t>    Algorithme : </a:t>
-            </a:r>
-            <a:r>
-              <a:rPr lang="fr-FR" sz="2400" dirty="0" smtClean="0"/>
-              <a:t>client</a:t>
-            </a:r>
-            <a:endParaRPr lang="fr-FR" sz="2400" dirty="0"/>
-          </a:p>
-          <a:p>
-            <a:pPr marL="36900" indent="0">
-              <a:buNone/>
-            </a:pPr>
-            <a:r>
-              <a:rPr lang="fr-FR" sz="2400" dirty="0"/>
-              <a:t>              Variable : Nom: chaine de caractère </a:t>
-            </a:r>
-          </a:p>
-          <a:p>
-            <a:pPr marL="36900" indent="0">
-              <a:buNone/>
-            </a:pPr>
-            <a:r>
-              <a:rPr lang="fr-FR" sz="2400" dirty="0" smtClean="0"/>
-              <a:t>Début </a:t>
-            </a:r>
-            <a:r>
-              <a:rPr lang="fr-FR" sz="2400" dirty="0"/>
-              <a:t>:</a:t>
-            </a:r>
-          </a:p>
-          <a:p>
-            <a:pPr marL="36900" indent="0">
-              <a:buNone/>
-            </a:pPr>
-            <a:r>
-              <a:rPr lang="fr-FR" sz="2400" dirty="0"/>
-              <a:t>           Ecrire </a:t>
-            </a:r>
-            <a:r>
-              <a:rPr lang="fr-FR" sz="2400" dirty="0" smtClean="0"/>
-              <a:t>(‘’ donner votre nom et prénom’’)</a:t>
-            </a:r>
-          </a:p>
-          <a:p>
-            <a:pPr marL="36900" indent="0">
-              <a:buNone/>
-            </a:pPr>
-            <a:r>
-              <a:rPr lang="fr-FR" sz="2400" dirty="0"/>
-              <a:t> </a:t>
-            </a:r>
-            <a:r>
-              <a:rPr lang="fr-FR" sz="2400" dirty="0" smtClean="0"/>
-              <a:t>          Lire (‘’ Nom et prénom’’)</a:t>
-            </a:r>
-          </a:p>
-          <a:p>
-            <a:pPr marL="36900" indent="0">
-              <a:buNone/>
-            </a:pPr>
-            <a:r>
-              <a:rPr lang="fr-FR" sz="2400" dirty="0" smtClean="0"/>
-              <a:t>         Fin</a:t>
-            </a:r>
-          </a:p>
-          <a:p>
-            <a:pPr>
-              <a:buFont typeface="Wingdings" pitchFamily="2" charset="2"/>
-              <a:buChar char="ü"/>
-            </a:pPr>
-            <a:r>
-              <a:rPr lang="fr-FR" sz="2400" dirty="0"/>
-              <a:t>Exemple type </a:t>
-            </a:r>
-            <a:r>
-              <a:rPr lang="fr-FR" sz="2400" dirty="0" smtClean="0"/>
-              <a:t>Entier :</a:t>
-            </a:r>
-          </a:p>
-          <a:p>
-            <a:pPr marL="36900" indent="0">
-              <a:buNone/>
-            </a:pPr>
-            <a:r>
-              <a:rPr lang="fr-FR" sz="2400" dirty="0" smtClean="0"/>
-              <a:t>   </a:t>
-            </a:r>
-            <a:r>
-              <a:rPr lang="fr-FR" sz="2400" dirty="0"/>
-              <a:t>Algorithme : </a:t>
-            </a:r>
-            <a:r>
-              <a:rPr lang="fr-FR" sz="2400" dirty="0" smtClean="0"/>
-              <a:t>l'Age </a:t>
-            </a:r>
-            <a:r>
-              <a:rPr lang="fr-FR" sz="2400" dirty="0"/>
-              <a:t>de </a:t>
-            </a:r>
-            <a:r>
-              <a:rPr lang="fr-FR" sz="2400" dirty="0" smtClean="0"/>
-              <a:t>client</a:t>
-            </a:r>
-          </a:p>
-          <a:p>
-            <a:pPr marL="36900" indent="0">
-              <a:buNone/>
-            </a:pPr>
-            <a:r>
-              <a:rPr lang="fr-FR" sz="2400" dirty="0"/>
-              <a:t> </a:t>
-            </a:r>
-            <a:r>
-              <a:rPr lang="fr-FR" sz="2400" dirty="0" smtClean="0"/>
-              <a:t>             Variable </a:t>
-            </a:r>
-            <a:r>
-              <a:rPr lang="fr-FR" sz="2400" dirty="0"/>
-              <a:t>: </a:t>
-            </a:r>
-            <a:r>
-              <a:rPr lang="fr-FR" sz="2400" dirty="0" smtClean="0"/>
-              <a:t>AN , Age : Entier</a:t>
-            </a:r>
-          </a:p>
-          <a:p>
-            <a:pPr marL="36900" indent="0">
-              <a:buNone/>
-            </a:pPr>
-            <a:r>
-              <a:rPr lang="fr-FR" sz="2400" dirty="0"/>
-              <a:t> </a:t>
-            </a:r>
-            <a:r>
-              <a:rPr lang="fr-FR" sz="2400" dirty="0" smtClean="0"/>
-              <a:t>             Constante: 2014</a:t>
-            </a:r>
-          </a:p>
-          <a:p>
-            <a:pPr marL="36900" indent="0">
-              <a:buNone/>
-            </a:pPr>
-            <a:r>
-              <a:rPr lang="fr-FR" sz="2400" dirty="0" smtClean="0"/>
-              <a:t>Début </a:t>
-            </a:r>
-            <a:r>
-              <a:rPr lang="fr-FR" sz="2400" dirty="0"/>
-              <a:t>:</a:t>
-            </a:r>
-          </a:p>
-          <a:p>
-            <a:pPr marL="36900" indent="0">
-              <a:buNone/>
-            </a:pPr>
-            <a:r>
-              <a:rPr lang="fr-FR" sz="2400" dirty="0"/>
-              <a:t>           Ecrire (‘’ donner votre </a:t>
-            </a:r>
-            <a:r>
-              <a:rPr lang="fr-FR" sz="2400" dirty="0" smtClean="0"/>
-              <a:t>Date de naissance’’)</a:t>
-            </a:r>
-            <a:endParaRPr lang="fr-FR" sz="2400" dirty="0"/>
-          </a:p>
-          <a:p>
-            <a:pPr marL="36900" indent="0">
-              <a:buNone/>
-            </a:pPr>
-            <a:r>
-              <a:rPr lang="fr-FR" sz="2400" dirty="0"/>
-              <a:t>           Lire (‘’ </a:t>
-            </a:r>
-            <a:r>
-              <a:rPr lang="fr-FR" sz="2400" dirty="0" smtClean="0"/>
-              <a:t>AN’’)</a:t>
-            </a:r>
-            <a:endParaRPr lang="fr-FR" sz="2400" dirty="0"/>
-          </a:p>
-          <a:p>
-            <a:pPr marL="36900" indent="0">
-              <a:buNone/>
-            </a:pPr>
-            <a:r>
-              <a:rPr lang="fr-FR" sz="2400" dirty="0" smtClean="0"/>
-              <a:t>                </a:t>
-            </a:r>
-            <a:endParaRPr lang="fr-FR" sz="2400" dirty="0"/>
-          </a:p>
-          <a:p>
-            <a:pPr marL="36900" indent="0">
-              <a:buNone/>
-            </a:pPr>
-            <a:r>
-              <a:rPr lang="fr-FR" sz="2400" dirty="0"/>
-              <a:t>              </a:t>
-            </a:r>
-          </a:p>
-          <a:p>
-            <a:pPr marL="36900" indent="0">
-              <a:buNone/>
-            </a:pPr>
-            <a:r>
-              <a:rPr lang="fr-FR" dirty="0"/>
-              <a:t>   </a:t>
-            </a:r>
-          </a:p>
-        </p:txBody>
-      </p:sp>
-    </p:spTree>
-    <p:extLst>
-      <p:ext uri="{BB962C8B-B14F-4D97-AF65-F5344CB8AC3E}">
-        <p14:creationId xmlns:p14="http://schemas.microsoft.com/office/powerpoint/2010/main" xmlns="" val="1308058523"/>
-      </p:ext>
-    </p:extLst>
-  </p:cSld>
-  <p:clrMapOvr>
-    <a:masterClrMapping/>
-  </p:clrMapOvr>
-</p:sld>
-</file>
-
-<file path=ppt/slides/slide4.xml><?xml version="1.0" encoding="utf-8"?>
-<p:sld xmlns:a="http://schemas.openxmlformats.org/drawingml/2006/main" xmlns:r="http://schemas.openxmlformats.org/officeDocument/2006/relationships" xmlns:p="http://schemas.openxmlformats.org/presentationml/2006/main">
-  <p:cSld>
-    <p:spTree>
-      <p:nvGrpSpPr>
-        <p:cNvPr id="1" name=""/>
-        <p:cNvGrpSpPr/>
-        <p:nvPr/>
-      </p:nvGrpSpPr>
-      <p:grpSpPr>
-        <a:xfrm>
-          <a:off x="0" y="0"/>
-          <a:ext cx="0" cy="0"/>
-          <a:chOff x="0" y="0"/>
-          <a:chExt cx="0" cy="0"/>
-        </a:xfrm>
-      </p:grpSpPr>
-      <p:sp>
-        <p:nvSpPr>
-          <p:cNvPr id="3" name="Espace réservé du contenu 2"/>
-          <p:cNvSpPr>
-            <a:spLocks noGrp="1"/>
-          </p:cNvSpPr>
-          <p:nvPr>
-            <p:ph idx="1"/>
-          </p:nvPr>
-        </p:nvSpPr>
-        <p:spPr>
-          <a:xfrm>
-            <a:off x="785006" y="550976"/>
-            <a:ext cx="10353762" cy="6171796"/>
+            <a:off x="352697" y="522514"/>
+            <a:ext cx="10914860" cy="6126480"/>
           </a:xfrm>
         </p:spPr>
         <p:txBody>
@@ -6653,204 +6347,309 @@
           </a:bodyPr>
           <a:lstStyle/>
           <a:p>
-            <a:pPr marL="36900" indent="0">
-              <a:buNone/>
+            <a:pPr marL="571500" indent="-571500">
+              <a:spcBef>
+                <a:spcPct val="0"/>
+              </a:spcBef>
+              <a:buFont typeface="Arial" panose="020B0604020202020204" pitchFamily="34" charset="0"/>
+              <a:buChar char="•"/>
             </a:pPr>
             <a:r>
-              <a:rPr lang="fr-FR" sz="1800" dirty="0" smtClean="0"/>
-              <a:t>          Age        2014 – AN</a:t>
-            </a:r>
-          </a:p>
-          <a:p>
-            <a:pPr marL="36900" indent="0">
-              <a:buNone/>
-            </a:pPr>
-            <a:r>
-              <a:rPr lang="fr-FR" sz="1800" dirty="0" smtClean="0"/>
-              <a:t>           Ecrire (‘’Vous avez ‘’Age’’ ans’’)</a:t>
-            </a:r>
-          </a:p>
-          <a:p>
-            <a:pPr marL="36900" indent="0">
-              <a:buNone/>
-            </a:pPr>
-            <a:r>
-              <a:rPr lang="fr-FR" sz="1800" dirty="0"/>
-              <a:t> </a:t>
-            </a:r>
-            <a:r>
-              <a:rPr lang="fr-FR" sz="1800" dirty="0" smtClean="0"/>
-              <a:t>        fin</a:t>
+              <a:rPr lang="fr-FR" sz="4000" dirty="0" smtClean="0">
+                <a:latin typeface="+mj-lt"/>
+                <a:ea typeface="+mj-ea"/>
+                <a:cs typeface="Trebuchet MS"/>
+              </a:rPr>
+              <a:t>Les </a:t>
+            </a:r>
+            <a:r>
+              <a:rPr lang="fr-FR" sz="4000" dirty="0" smtClean="0">
+                <a:latin typeface="+mj-lt"/>
+                <a:ea typeface="+mj-ea"/>
+                <a:cs typeface="Trebuchet MS"/>
+              </a:rPr>
+              <a:t>exemples des types de l’algorithme </a:t>
+            </a:r>
+            <a:r>
+              <a:rPr lang="fr-FR" sz="4000" dirty="0" smtClean="0">
+                <a:latin typeface="+mj-lt"/>
+                <a:ea typeface="+mj-ea"/>
+                <a:cs typeface="Trebuchet MS"/>
+              </a:rPr>
+              <a:t>:</a:t>
             </a:r>
           </a:p>
           <a:p>
             <a:pPr>
+              <a:lnSpc>
+                <a:spcPct val="80000"/>
+              </a:lnSpc>
               <a:buFont typeface="Wingdings" pitchFamily="2" charset="2"/>
               <a:buChar char="ü"/>
             </a:pPr>
             <a:r>
-              <a:rPr lang="fr-FR" sz="1800" dirty="0"/>
-              <a:t>Exemple type </a:t>
-            </a:r>
+              <a:rPr lang="fr-FR" sz="1700" dirty="0" smtClean="0"/>
+              <a:t>Exemple type Entier </a:t>
+            </a:r>
+            <a:r>
+              <a:rPr lang="fr-FR" sz="1700" dirty="0" smtClean="0"/>
+              <a:t>:</a:t>
+            </a:r>
+          </a:p>
+          <a:p>
+            <a:pPr>
+              <a:lnSpc>
+                <a:spcPct val="80000"/>
+              </a:lnSpc>
+              <a:buNone/>
+            </a:pPr>
             <a:r>
               <a:rPr lang="fr-FR" sz="1800" dirty="0" smtClean="0"/>
-              <a:t>chaine de caractère </a:t>
-            </a:r>
-            <a:r>
-              <a:rPr lang="fr-FR" sz="1800" dirty="0"/>
-              <a:t>:</a:t>
-            </a:r>
-          </a:p>
-          <a:p>
-            <a:pPr marL="36900" indent="0">
+              <a:t>          Algorithme </a:t>
+            </a:r>
+            <a:r>
+              <a:rPr lang="fr-FR" sz="1800" dirty="0" smtClean="0"/>
+              <a:t>: l'Age de </a:t>
+            </a:r>
+            <a:r>
+              <a:rPr lang="fr-FR" sz="1800" dirty="0" smtClean="0"/>
+              <a:t>client</a:t>
+            </a:r>
+          </a:p>
+          <a:p>
+            <a:pPr>
+              <a:lnSpc>
+                <a:spcPct val="80000"/>
+              </a:lnSpc>
               <a:buNone/>
             </a:pPr>
             <a:r>
-              <a:rPr lang="fr-FR" sz="1800" dirty="0"/>
-              <a:t>    Algorithme : </a:t>
-            </a:r>
-            <a:r>
               <a:rPr lang="fr-FR" sz="1800" dirty="0" smtClean="0"/>
-              <a:t>calculer</a:t>
-            </a:r>
-          </a:p>
-          <a:p>
-            <a:pPr marL="36900" indent="0">
+              <a:t>                    variable : AN , Age : Entier</a:t>
+            </a:r>
+          </a:p>
+          <a:p>
+            <a:pPr>
+              <a:lnSpc>
+                <a:spcPct val="80000"/>
+              </a:lnSpc>
               <a:buNone/>
             </a:pPr>
             <a:r>
-              <a:rPr lang="fr-FR" sz="1800" dirty="0"/>
+              <a:rPr lang="fr-FR" sz="1800" dirty="0" smtClean="0"/>
               <a:t> </a:t>
             </a:r>
             <a:r>
               <a:rPr lang="fr-FR" sz="1800" dirty="0" smtClean="0"/>
-              <a:t>           Variable </a:t>
-            </a:r>
-            <a:r>
-              <a:rPr lang="fr-FR" sz="1800" dirty="0"/>
-              <a:t>: </a:t>
-            </a:r>
-            <a:r>
-              <a:rPr lang="fr-FR" sz="1800" dirty="0" smtClean="0"/>
-              <a:t>A , B , C : caractère </a:t>
-            </a:r>
-            <a:endParaRPr lang="fr-FR" sz="1800" dirty="0"/>
-          </a:p>
-          <a:p>
-            <a:pPr marL="36900" indent="0">
+              <a:t>                                     Age        40ans</a:t>
+            </a:r>
+          </a:p>
+          <a:p>
+            <a:pPr>
+              <a:lnSpc>
+                <a:spcPct val="80000"/>
+              </a:lnSpc>
               <a:buNone/>
             </a:pPr>
             <a:r>
-              <a:rPr lang="fr-FR" sz="1800" dirty="0"/>
-              <a:t>Début :</a:t>
-            </a:r>
-          </a:p>
-          <a:p>
-            <a:pPr marL="36900" indent="0">
-              <a:buNone/>
-            </a:pPr>
-            <a:r>
-              <a:rPr lang="fr-FR" sz="1800" dirty="0"/>
-              <a:t>           Ecrire (‘’ </a:t>
-            </a:r>
-            <a:r>
-              <a:rPr lang="fr-FR" sz="1800" dirty="0" smtClean="0"/>
-              <a:t> Donner premier nombre’’)</a:t>
-            </a:r>
-            <a:endParaRPr lang="fr-FR" sz="1800" dirty="0"/>
-          </a:p>
-          <a:p>
-            <a:pPr marL="36900" indent="0">
-              <a:buNone/>
-            </a:pPr>
-            <a:r>
-              <a:rPr lang="fr-FR" sz="1800" dirty="0"/>
-              <a:t>           Lire (‘’ </a:t>
-            </a:r>
-            <a:r>
-              <a:rPr lang="fr-FR" sz="1800" dirty="0" smtClean="0"/>
-              <a:t>A’’)</a:t>
-            </a:r>
-          </a:p>
-          <a:p>
-            <a:pPr marL="36900" indent="0">
-              <a:buNone/>
-            </a:pPr>
-            <a:r>
-              <a:rPr lang="fr-FR" sz="1800" dirty="0"/>
-              <a:t> Ecrire (‘’  Donner </a:t>
-            </a:r>
-            <a:r>
-              <a:rPr lang="fr-FR" sz="1800" dirty="0" smtClean="0"/>
-              <a:t>deuxième </a:t>
-            </a:r>
-            <a:r>
-              <a:rPr lang="fr-FR" sz="1800" dirty="0"/>
-              <a:t>nombre’’)</a:t>
-            </a:r>
-          </a:p>
-          <a:p>
-            <a:pPr marL="36900" indent="0">
-              <a:buNone/>
-            </a:pPr>
-            <a:r>
-              <a:rPr lang="fr-FR" sz="1800" dirty="0"/>
-              <a:t>           Lire (‘’ </a:t>
-            </a:r>
-            <a:r>
-              <a:rPr lang="fr-FR" sz="1800" dirty="0" smtClean="0"/>
-              <a:t>B’’)</a:t>
-            </a:r>
-          </a:p>
-          <a:p>
-            <a:pPr marL="36900" indent="0">
-              <a:buNone/>
-            </a:pPr>
-            <a:r>
-              <a:rPr lang="fr-FR" sz="1800" dirty="0" smtClean="0"/>
-              <a:t>         C        A+B</a:t>
-            </a:r>
-            <a:endParaRPr lang="fr-FR" sz="1800" dirty="0"/>
-          </a:p>
-          <a:p>
-            <a:pPr marL="36900" indent="0">
-              <a:buNone/>
-            </a:pPr>
-            <a:r>
-              <a:rPr lang="fr-FR" sz="1800" dirty="0"/>
-              <a:t>         </a:t>
-            </a:r>
-            <a:r>
-              <a:rPr lang="fr-FR" sz="1800" dirty="0" smtClean="0"/>
-              <a:t>Fin</a:t>
-            </a:r>
+              <a:rPr lang="fr-FR" sz="1700" dirty="0" smtClean="0"/>
+              <a:t>            Fin</a:t>
+            </a:r>
+            <a:endParaRPr lang="fr-FR" sz="1700" dirty="0" smtClean="0"/>
           </a:p>
           <a:p>
             <a:pPr>
+              <a:lnSpc>
+                <a:spcPct val="80000"/>
+              </a:lnSpc>
               <a:buFont typeface="Wingdings" pitchFamily="2" charset="2"/>
               <a:buChar char="ü"/>
             </a:pPr>
             <a:r>
-              <a:rPr lang="fr-FR" sz="1800" dirty="0"/>
-              <a:t>Exemple type </a:t>
-            </a:r>
+              <a:rPr lang="fr-FR" sz="1700" dirty="0" smtClean="0"/>
+              <a:t>Exemple type réel: </a:t>
+            </a:r>
+          </a:p>
+          <a:p>
+            <a:pPr marL="571500" indent="-571500">
+              <a:spcBef>
+                <a:spcPct val="0"/>
+              </a:spcBef>
+              <a:buNone/>
+            </a:pPr>
             <a:r>
               <a:rPr lang="fr-FR" sz="1800" dirty="0" smtClean="0"/>
-              <a:t>réel: </a:t>
-            </a:r>
-            <a:endParaRPr lang="fr-FR" sz="1800" dirty="0"/>
-          </a:p>
-          <a:p>
-            <a:pPr marL="36900" indent="0">
+              <a:t>          </a:t>
+            </a:r>
+            <a:r>
+              <a:rPr lang="fr-FR" sz="1800" dirty="0" smtClean="0"/>
+              <a:t>Algorithme : carré</a:t>
+            </a:r>
+          </a:p>
+          <a:p>
+            <a:pPr marL="571500" indent="-571500">
+              <a:spcBef>
+                <a:spcPct val="0"/>
+              </a:spcBef>
               <a:buNone/>
             </a:pPr>
-            <a:endParaRPr lang="fr-FR" sz="1800" dirty="0"/>
-          </a:p>
-          <a:p>
-            <a:pPr marL="36900" indent="0">
+            <a:r>
+              <a:rPr lang="fr-FR" sz="1800" dirty="0" smtClean="0"/>
+              <a:t>         Variable </a:t>
+            </a:r>
+            <a:r>
+              <a:rPr lang="fr-FR" sz="1800" dirty="0" smtClean="0"/>
+              <a:t>: A , B </a:t>
+            </a:r>
+            <a:r>
+              <a:rPr lang="fr-FR" sz="1800" dirty="0" smtClean="0"/>
+              <a:t> </a:t>
+            </a:r>
+            <a:r>
+              <a:rPr lang="fr-FR" sz="1800" dirty="0" smtClean="0"/>
+              <a:t>: </a:t>
+            </a:r>
+            <a:r>
+              <a:rPr lang="fr-FR" sz="1800" dirty="0" smtClean="0"/>
+              <a:t>Rée</a:t>
+            </a:r>
+          </a:p>
+          <a:p>
+            <a:pPr marL="571500" indent="-571500">
+              <a:spcBef>
+                <a:spcPct val="0"/>
+              </a:spcBef>
               <a:buNone/>
             </a:pPr>
-            <a:endParaRPr lang="fr-FR" dirty="0"/>
+            <a:r>
+              <a:rPr lang="fr-FR" sz="1800" dirty="0" smtClean="0">
+                <a:latin typeface="+mj-lt"/>
+                <a:ea typeface="+mj-ea"/>
+                <a:cs typeface="Trebuchet MS"/>
+              </a:rPr>
+              <a:t> </a:t>
+            </a:r>
+            <a:r>
+              <a:rPr lang="fr-FR" sz="1800" dirty="0" smtClean="0">
+                <a:latin typeface="+mj-lt"/>
+                <a:ea typeface="+mj-ea"/>
+                <a:cs typeface="Trebuchet MS"/>
+              </a:rPr>
+              <a:t>                  B          A*A</a:t>
+            </a:r>
+          </a:p>
+          <a:p>
+            <a:pPr marL="571500" indent="-571500">
+              <a:spcBef>
+                <a:spcPct val="0"/>
+              </a:spcBef>
+              <a:buNone/>
+            </a:pPr>
+            <a:r>
+              <a:rPr lang="fr-FR" sz="1800" dirty="0" smtClean="0">
+                <a:latin typeface="+mj-lt"/>
+                <a:ea typeface="+mj-ea"/>
+                <a:cs typeface="Trebuchet MS"/>
+              </a:rPr>
+              <a:t> </a:t>
+            </a:r>
+            <a:r>
+              <a:rPr lang="fr-FR" sz="1800" dirty="0" smtClean="0">
+                <a:latin typeface="+mj-lt"/>
+                <a:ea typeface="+mj-ea"/>
+                <a:cs typeface="Trebuchet MS"/>
+              </a:rPr>
+              <a:t>            Fin</a:t>
+            </a:r>
+          </a:p>
+          <a:p>
+            <a:pPr>
+              <a:lnSpc>
+                <a:spcPct val="80000"/>
+              </a:lnSpc>
+              <a:buFont typeface="Wingdings" pitchFamily="2" charset="2"/>
+              <a:buChar char="ü"/>
+            </a:pPr>
+            <a:r>
+              <a:rPr lang="fr-FR" sz="1700" dirty="0" smtClean="0"/>
+              <a:t>Exemple type chaine de caractère  </a:t>
+            </a:r>
+            <a:r>
+              <a:rPr lang="fr-FR" sz="1700" dirty="0" smtClean="0"/>
+              <a:t>:</a:t>
+            </a:r>
+          </a:p>
+          <a:p>
+            <a:pPr>
+              <a:lnSpc>
+                <a:spcPct val="80000"/>
+              </a:lnSpc>
+              <a:buNone/>
+            </a:pPr>
+            <a:r>
+              <a:rPr lang="fr-FR" sz="1600" dirty="0" smtClean="0"/>
+              <a:t>             Algorithme : Nom de client</a:t>
+            </a:r>
+            <a:endParaRPr lang="fr-FR" sz="1700" dirty="0" smtClean="0"/>
+          </a:p>
+          <a:p>
+            <a:pPr marL="571500" indent="-571500">
+              <a:spcBef>
+                <a:spcPct val="0"/>
+              </a:spcBef>
+              <a:buNone/>
+            </a:pPr>
+            <a:r>
+              <a:rPr lang="fr-FR" sz="1800" dirty="0" smtClean="0">
+                <a:latin typeface="+mj-lt"/>
+                <a:ea typeface="+mj-ea"/>
+                <a:cs typeface="Trebuchet MS"/>
+              </a:rPr>
+              <a:t>             Variable : Nom : Chine de caractaire </a:t>
+            </a:r>
+          </a:p>
+          <a:p>
+            <a:pPr marL="571500" indent="-571500">
+              <a:spcBef>
+                <a:spcPct val="0"/>
+              </a:spcBef>
+              <a:buNone/>
+            </a:pPr>
+            <a:r>
+              <a:rPr lang="fr-FR" sz="1800" dirty="0" smtClean="0">
+                <a:latin typeface="+mj-lt"/>
+                <a:ea typeface="+mj-ea"/>
+                <a:cs typeface="Trebuchet MS"/>
+              </a:rPr>
+              <a:t>             Fin</a:t>
+            </a:r>
+          </a:p>
+          <a:p>
+            <a:pPr marL="571500" indent="-571500">
+              <a:spcBef>
+                <a:spcPct val="0"/>
+              </a:spcBef>
+              <a:buNone/>
+            </a:pPr>
+            <a:endParaRPr lang="fr-FR" sz="1700" dirty="0" smtClean="0">
+              <a:latin typeface="+mj-lt"/>
+              <a:ea typeface="+mj-ea"/>
+              <a:cs typeface="Trebuchet MS"/>
+            </a:endParaRPr>
+          </a:p>
+          <a:p>
+            <a:pPr marL="571500" indent="-571500">
+              <a:spcBef>
+                <a:spcPct val="0"/>
+              </a:spcBef>
+              <a:buFont typeface="Arial" panose="020B0604020202020204" pitchFamily="34" charset="0"/>
+              <a:buChar char="•"/>
+            </a:pPr>
+            <a:endParaRPr lang="fr-FR" sz="4000" dirty="0">
+              <a:latin typeface="+mj-lt"/>
+              <a:ea typeface="+mj-ea"/>
+              <a:cs typeface="Trebuchet MS"/>
+            </a:endParaRPr>
           </a:p>
         </p:txBody>
       </p:sp>
@@ -6861,9 +6660,9 @@
           <p:nvPr/>
         </p:nvCxnSpPr>
         <p:spPr>
-          <a:xfrm flipH="1">
-            <a:off x="1957600" y="746976"/>
-            <a:ext cx="373486" cy="0"/>
+          <a:xfrm rot="10800000">
+            <a:off x="3344093" y="2455819"/>
+            <a:ext cx="352697" cy="13063"/>
           </a:xfrm>
           <a:prstGeom prst="straightConnector1">
             <a:avLst/>
@@ -6892,14 +6691,570 @@
       </p:cxnSp>
       <p:cxnSp>
         <p:nvCxnSpPr>
-          <p:cNvPr id="9" name="Connecteur droit avec flèche 8"/>
+          <p:cNvPr id="7" name="Connecteur droit avec flèche 6"/>
           <p:cNvCxnSpPr/>
           <p:nvPr/>
         </p:nvCxnSpPr>
         <p:spPr>
-          <a:xfrm flipH="1">
-            <a:off x="1654959" y="5200918"/>
-            <a:ext cx="373486" cy="0"/>
+          <a:xfrm rot="10800000">
+            <a:off x="1894116" y="4167051"/>
+            <a:ext cx="391886" cy="1588"/>
+          </a:xfrm>
+          <a:prstGeom prst="straightConnector1">
+            <a:avLst/>
+          </a:prstGeom>
+          <a:ln>
+            <a:solidFill>
+              <a:schemeClr val="tx1"/>
+            </a:solidFill>
+            <a:tailEnd type="arrow"/>
+          </a:ln>
+        </p:spPr>
+        <p:style>
+          <a:lnRef idx="1">
+            <a:schemeClr val="accent1"/>
+          </a:lnRef>
+          <a:fillRef idx="0">
+            <a:schemeClr val="accent1"/>
+          </a:fillRef>
+          <a:effectRef idx="0">
+            <a:schemeClr val="accent1"/>
+          </a:effectRef>
+          <a:fontRef idx="minor">
+            <a:schemeClr val="tx1"/>
+          </a:fontRef>
+        </p:style>
+      </p:cxnSp>
+    </p:spTree>
+  </p:cSld>
+  <p:clrMapOvr>
+    <a:masterClrMapping/>
+  </p:clrMapOvr>
+</p:sld>
+</file>
+
+<file path=ppt/slides/slide4.xml><?xml version="1.0" encoding="utf-8"?>
+<p:sld xmlns:a="http://schemas.openxmlformats.org/drawingml/2006/main" xmlns:r="http://schemas.openxmlformats.org/officeDocument/2006/relationships" xmlns:p="http://schemas.openxmlformats.org/presentationml/2006/main">
+  <p:cSld>
+    <p:spTree>
+      <p:nvGrpSpPr>
+        <p:cNvPr id="1" name=""/>
+        <p:cNvGrpSpPr/>
+        <p:nvPr/>
+      </p:nvGrpSpPr>
+      <p:grpSpPr>
+        <a:xfrm>
+          <a:off x="0" y="0"/>
+          <a:ext cx="0" cy="0"/>
+          <a:chOff x="0" y="0"/>
+          <a:chExt cx="0" cy="0"/>
+        </a:xfrm>
+      </p:grpSpPr>
+      <p:sp>
+        <p:nvSpPr>
+          <p:cNvPr id="2" name="Titre 1">
+            <a:extLst>
+              <a:ext uri="{FF2B5EF4-FFF2-40B4-BE49-F238E27FC236}">
+                <a16:creationId xmlns:a16="http://schemas.microsoft.com/office/drawing/2014/main" xmlns="" id="{EED55B60-355B-4DBA-9FDB-DDF22699C7C0}"/>
+              </a:ext>
+            </a:extLst>
+          </p:cNvPr>
+          <p:cNvSpPr>
+            <a:spLocks noGrp="1"/>
+          </p:cNvSpPr>
+          <p:nvPr>
+            <p:ph type="title"/>
+          </p:nvPr>
+        </p:nvSpPr>
+        <p:spPr>
+          <a:xfrm>
+            <a:off x="-411423" y="278296"/>
+            <a:ext cx="10353762" cy="1257300"/>
+          </a:xfrm>
+        </p:spPr>
+        <p:txBody>
+          <a:bodyPr/>
+          <a:lstStyle/>
+          <a:p>
+            <a:pPr marL="571500" indent="-571500">
+              <a:buFont typeface="Arial" panose="020B0604020202020204" pitchFamily="34" charset="0"/>
+              <a:buChar char="•"/>
+            </a:pPr>
+            <a:r>
+              <a:rPr lang="fr-FR" dirty="0"/>
+              <a:t>Les exemples des types de l’algorithme </a:t>
+            </a:r>
+          </a:p>
+        </p:txBody>
+      </p:sp>
+      <p:sp>
+        <p:nvSpPr>
+          <p:cNvPr id="3" name="Espace réservé du contenu 2">
+            <a:extLst>
+              <a:ext uri="{FF2B5EF4-FFF2-40B4-BE49-F238E27FC236}">
+                <a16:creationId xmlns:a16="http://schemas.microsoft.com/office/drawing/2014/main" xmlns="" id="{D6DE4BDA-59FB-46EC-88EA-6C7A5FF8BEB0}"/>
+              </a:ext>
+            </a:extLst>
+          </p:cNvPr>
+          <p:cNvSpPr>
+            <a:spLocks noGrp="1"/>
+          </p:cNvSpPr>
+          <p:nvPr>
+            <p:ph idx="1"/>
+          </p:nvPr>
+        </p:nvSpPr>
+        <p:spPr>
+          <a:xfrm>
+            <a:off x="678847" y="1377495"/>
+            <a:ext cx="10353762" cy="5689511"/>
+          </a:xfrm>
+        </p:spPr>
+        <p:txBody>
+          <a:bodyPr>
+            <a:normAutofit fontScale="85000" lnSpcReduction="20000"/>
+          </a:bodyPr>
+          <a:lstStyle/>
+          <a:p>
+            <a:pPr>
+              <a:buFont typeface="Wingdings" pitchFamily="2" charset="2"/>
+              <a:buChar char="ü"/>
+            </a:pPr>
+            <a:r>
+              <a:rPr lang="fr-FR" sz="2400" dirty="0" smtClean="0"/>
+              <a:t>Exemple </a:t>
+            </a:r>
+            <a:r>
+              <a:rPr lang="fr-FR" sz="2400" dirty="0"/>
+              <a:t>type </a:t>
+            </a:r>
+            <a:r>
+              <a:rPr lang="fr-FR" sz="2400" dirty="0" smtClean="0"/>
+              <a:t>Entier :</a:t>
+            </a:r>
+          </a:p>
+          <a:p>
+            <a:pPr marL="36900" indent="0">
+              <a:buNone/>
+            </a:pPr>
+            <a:r>
+              <a:rPr lang="fr-FR" sz="2400" dirty="0" smtClean="0"/>
+              <a:t>   </a:t>
+            </a:r>
+            <a:r>
+              <a:rPr lang="fr-FR" sz="2400" dirty="0"/>
+              <a:t>Algorithme : </a:t>
+            </a:r>
+            <a:r>
+              <a:rPr lang="fr-FR" sz="2400" dirty="0" smtClean="0"/>
+              <a:t>l'Age </a:t>
+            </a:r>
+            <a:r>
+              <a:rPr lang="fr-FR" sz="2400" dirty="0"/>
+              <a:t>de </a:t>
+            </a:r>
+            <a:r>
+              <a:rPr lang="fr-FR" sz="2400" dirty="0" smtClean="0"/>
+              <a:t>client</a:t>
+            </a:r>
+          </a:p>
+          <a:p>
+            <a:pPr marL="36900" indent="0">
+              <a:buNone/>
+            </a:pPr>
+            <a:r>
+              <a:rPr lang="fr-FR" sz="2400" dirty="0"/>
+              <a:t> </a:t>
+            </a:r>
+            <a:r>
+              <a:rPr lang="fr-FR" sz="2400" dirty="0" smtClean="0"/>
+              <a:t>             Variable </a:t>
+            </a:r>
+            <a:r>
+              <a:rPr lang="fr-FR" sz="2400" dirty="0"/>
+              <a:t>: </a:t>
+            </a:r>
+            <a:r>
+              <a:rPr lang="fr-FR" sz="2400" dirty="0" smtClean="0"/>
+              <a:t>AN , Age : Entier</a:t>
+            </a:r>
+          </a:p>
+          <a:p>
+            <a:pPr marL="36900" indent="0">
+              <a:buNone/>
+            </a:pPr>
+            <a:r>
+              <a:rPr lang="fr-FR" sz="2400" dirty="0"/>
+              <a:t> </a:t>
+            </a:r>
+            <a:r>
+              <a:rPr lang="fr-FR" sz="2400" dirty="0" smtClean="0"/>
+              <a:t>             Constante: </a:t>
+            </a:r>
+            <a:r>
+              <a:rPr lang="fr-FR" sz="2400" dirty="0" smtClean="0"/>
+              <a:t>2014</a:t>
+            </a:r>
+          </a:p>
+          <a:p>
+            <a:pPr marL="36900" indent="0">
+              <a:buNone/>
+            </a:pPr>
+            <a:r>
+              <a:rPr lang="fr-FR" sz="2400" dirty="0" smtClean="0"/>
+              <a:t>Début </a:t>
+            </a:r>
+            <a:r>
+              <a:rPr lang="fr-FR" sz="2400" dirty="0"/>
+              <a:t>:</a:t>
+            </a:r>
+          </a:p>
+          <a:p>
+            <a:pPr marL="36900" indent="0">
+              <a:buNone/>
+            </a:pPr>
+            <a:r>
+              <a:rPr lang="fr-FR" sz="2400" dirty="0"/>
+              <a:t>           Ecrire (‘’ donner votre </a:t>
+            </a:r>
+            <a:r>
+              <a:rPr lang="fr-FR" sz="2400" dirty="0" smtClean="0"/>
+              <a:t>Date de naissance’’)</a:t>
+            </a:r>
+            <a:endParaRPr lang="fr-FR" sz="2400" dirty="0"/>
+          </a:p>
+          <a:p>
+            <a:pPr marL="36900" indent="0">
+              <a:buNone/>
+            </a:pPr>
+            <a:r>
+              <a:rPr lang="fr-FR" sz="2400" dirty="0"/>
+              <a:t>           Lire (‘’ </a:t>
+            </a:r>
+            <a:r>
+              <a:rPr lang="fr-FR" sz="2400" dirty="0" smtClean="0"/>
+              <a:t>AN</a:t>
+            </a:r>
+            <a:r>
+              <a:rPr lang="fr-FR" sz="2400" dirty="0" smtClean="0"/>
+              <a:t>’’)</a:t>
+            </a:r>
+          </a:p>
+          <a:p>
+            <a:pPr marL="36900" indent="0">
+              <a:buNone/>
+            </a:pPr>
+            <a:r>
+              <a:rPr lang="fr-FR" sz="2400" dirty="0" smtClean="0"/>
+              <a:t>                 </a:t>
+            </a:r>
+            <a:r>
+              <a:rPr lang="fr-FR" sz="2400" dirty="0" smtClean="0"/>
+              <a:t>Age        2014 – AN</a:t>
+            </a:r>
+          </a:p>
+          <a:p>
+            <a:pPr marL="36900" indent="0">
+              <a:buNone/>
+            </a:pPr>
+            <a:r>
+              <a:rPr lang="fr-FR" sz="2400" dirty="0" smtClean="0"/>
+              <a:t>           Ecrire (‘’Vous avez ‘’Age’’ ans</a:t>
+            </a:r>
+            <a:r>
+              <a:rPr lang="fr-FR" sz="2400" dirty="0" smtClean="0"/>
+              <a:t>’’)</a:t>
+            </a:r>
+            <a:endParaRPr lang="fr-FR" sz="2400" dirty="0" smtClean="0"/>
+          </a:p>
+          <a:p>
+            <a:pPr marL="36900" indent="0">
+              <a:buNone/>
+            </a:pPr>
+            <a:r>
+              <a:rPr lang="fr-FR" sz="2400" dirty="0" smtClean="0"/>
+              <a:t>         </a:t>
+            </a:r>
+            <a:r>
+              <a:rPr lang="fr-FR" sz="2400" dirty="0" smtClean="0"/>
+              <a:t>fin</a:t>
+            </a:r>
+          </a:p>
+          <a:p>
+            <a:pPr>
+              <a:buFont typeface="Wingdings" pitchFamily="2" charset="2"/>
+              <a:buChar char="ü"/>
+            </a:pPr>
+            <a:r>
+              <a:rPr lang="fr-FR" sz="2500" dirty="0" smtClean="0"/>
+              <a:t>Exemple type réel: </a:t>
+            </a:r>
+            <a:endParaRPr lang="fr-FR" sz="2400" dirty="0"/>
+          </a:p>
+          <a:p>
+            <a:pPr marL="36900" indent="0">
+              <a:buNone/>
+            </a:pPr>
+            <a:r>
+              <a:rPr lang="fr-FR" sz="2400" dirty="0" smtClean="0"/>
+              <a:t>         </a:t>
+            </a:r>
+            <a:r>
+              <a:rPr lang="fr-FR" sz="2400" dirty="0" smtClean="0"/>
+              <a:t> Algorithme : carré</a:t>
+            </a:r>
+          </a:p>
+          <a:p>
+            <a:pPr marL="36900" indent="0">
+              <a:buNone/>
+            </a:pPr>
+            <a:r>
+              <a:rPr lang="fr-FR" sz="2400" dirty="0" smtClean="0"/>
+              <a:t>       </a:t>
+            </a:r>
+            <a:endParaRPr lang="fr-FR" sz="2400" dirty="0"/>
+          </a:p>
+          <a:p>
+            <a:pPr marL="36900" indent="0">
+              <a:buNone/>
+            </a:pPr>
+            <a:r>
+              <a:rPr lang="fr-FR" sz="2400" dirty="0"/>
+              <a:t>              </a:t>
+            </a:r>
+          </a:p>
+          <a:p>
+            <a:pPr marL="36900" indent="0">
+              <a:buNone/>
+            </a:pPr>
+            <a:r>
+              <a:rPr lang="fr-FR" dirty="0"/>
+              <a:t>   </a:t>
+            </a:r>
+          </a:p>
+        </p:txBody>
+      </p:sp>
+    </p:spTree>
+    <p:extLst>
+      <p:ext uri="{BB962C8B-B14F-4D97-AF65-F5344CB8AC3E}">
+        <p14:creationId xmlns="" xmlns:p14="http://schemas.microsoft.com/office/powerpoint/2010/main" val="1308058523"/>
+      </p:ext>
+    </p:extLst>
+  </p:cSld>
+  <p:clrMapOvr>
+    <a:masterClrMapping/>
+  </p:clrMapOvr>
+</p:sld>
+</file>
+
+<file path=ppt/slides/slide5.xml><?xml version="1.0" encoding="utf-8"?>
+<p:sld xmlns:a="http://schemas.openxmlformats.org/drawingml/2006/main" xmlns:r="http://schemas.openxmlformats.org/officeDocument/2006/relationships" xmlns:p="http://schemas.openxmlformats.org/presentationml/2006/main">
+  <p:cSld>
+    <p:spTree>
+      <p:nvGrpSpPr>
+        <p:cNvPr id="1" name=""/>
+        <p:cNvGrpSpPr/>
+        <p:nvPr/>
+      </p:nvGrpSpPr>
+      <p:grpSpPr>
+        <a:xfrm>
+          <a:off x="0" y="0"/>
+          <a:ext cx="0" cy="0"/>
+          <a:chOff x="0" y="0"/>
+          <a:chExt cx="0" cy="0"/>
+        </a:xfrm>
+      </p:grpSpPr>
+      <p:sp>
+        <p:nvSpPr>
+          <p:cNvPr id="3" name="Espace réservé du contenu 2"/>
+          <p:cNvSpPr>
+            <a:spLocks noGrp="1"/>
+          </p:cNvSpPr>
+          <p:nvPr>
+            <p:ph idx="1"/>
+          </p:nvPr>
+        </p:nvSpPr>
+        <p:spPr>
+          <a:xfrm>
+            <a:off x="732572" y="221340"/>
+            <a:ext cx="10353762" cy="6436485"/>
+          </a:xfrm>
+        </p:spPr>
+        <p:txBody>
+          <a:bodyPr>
+            <a:normAutofit lnSpcReduction="10000"/>
+          </a:bodyPr>
+          <a:lstStyle/>
+          <a:p>
+            <a:pPr marL="36900" indent="0">
+              <a:buNone/>
+            </a:pPr>
+            <a:r>
+              <a:rPr lang="fr-FR" dirty="0" smtClean="0"/>
+              <a:t>         </a:t>
+            </a:r>
+            <a:r>
+              <a:rPr lang="fr-FR" dirty="0" smtClean="0"/>
+              <a:t> Variable : A , B , C : Réel </a:t>
+            </a:r>
+          </a:p>
+          <a:p>
+            <a:pPr marL="36900" indent="0">
+              <a:buNone/>
+            </a:pPr>
+            <a:r>
+              <a:rPr lang="fr-FR" dirty="0" smtClean="0"/>
+              <a:t>Début :</a:t>
+            </a:r>
+          </a:p>
+          <a:p>
+            <a:pPr marL="36900" indent="0">
+              <a:buNone/>
+            </a:pPr>
+            <a:r>
+              <a:rPr lang="fr-FR" dirty="0" smtClean="0"/>
+              <a:t>           Ecrire (‘’  Donner deux nombre Réel’’)</a:t>
+            </a:r>
+            <a:endParaRPr lang="fr-FR" dirty="0" smtClean="0"/>
+          </a:p>
+          <a:p>
+            <a:pPr marL="36900" indent="0">
+              <a:buNone/>
+            </a:pPr>
+            <a:r>
+              <a:rPr lang="fr-FR" dirty="0" smtClean="0"/>
+              <a:t> </a:t>
+            </a:r>
+            <a:r>
+              <a:rPr lang="fr-FR" dirty="0" smtClean="0"/>
+              <a:t>Lire (‘’ A’’)</a:t>
+            </a:r>
+          </a:p>
+          <a:p>
+            <a:pPr marL="36900" indent="0">
+              <a:buNone/>
+            </a:pPr>
+            <a:r>
+              <a:rPr lang="fr-FR" dirty="0" smtClean="0"/>
+              <a:t>           Lire (‘’ B’’)</a:t>
+            </a:r>
+          </a:p>
+          <a:p>
+            <a:pPr marL="36900" indent="0">
+              <a:buNone/>
+            </a:pPr>
+            <a:r>
+              <a:rPr lang="fr-FR" dirty="0" smtClean="0"/>
+              <a:t>             C        A*B</a:t>
+            </a:r>
+          </a:p>
+          <a:p>
+            <a:pPr marL="36900" indent="0">
+              <a:buNone/>
+            </a:pPr>
+            <a:r>
+              <a:rPr lang="fr-FR" dirty="0" smtClean="0"/>
+              <a:t>           Ecrire (‘’Le carré est’’ B)</a:t>
+            </a:r>
+          </a:p>
+          <a:p>
+            <a:pPr marL="36900" indent="0">
+              <a:buNone/>
+            </a:pPr>
+            <a:r>
+              <a:rPr lang="fr-FR" dirty="0" smtClean="0"/>
+              <a:t>         </a:t>
+            </a:r>
+            <a:r>
+              <a:rPr lang="fr-FR" dirty="0" smtClean="0"/>
+              <a:t>Fin</a:t>
+            </a:r>
+          </a:p>
+          <a:p>
+            <a:pPr>
+              <a:buFont typeface="Wingdings" panose="05000000000000000000" pitchFamily="2" charset="2"/>
+              <a:buChar char="ü"/>
+            </a:pPr>
+            <a:r>
+              <a:rPr lang="fr-FR" dirty="0" smtClean="0"/>
+              <a:t>Exemple </a:t>
+            </a:r>
+            <a:r>
+              <a:rPr lang="fr-FR" dirty="0" smtClean="0"/>
+              <a:t>type chaine de caractère  :</a:t>
+            </a:r>
+          </a:p>
+          <a:p>
+            <a:pPr marL="36900" indent="0">
+              <a:buNone/>
+            </a:pPr>
+            <a:r>
+              <a:rPr lang="fr-FR" dirty="0" smtClean="0"/>
+              <a:t>    Algorithme : client</a:t>
+            </a:r>
+          </a:p>
+          <a:p>
+            <a:pPr marL="36900" indent="0">
+              <a:buNone/>
+            </a:pPr>
+            <a:r>
+              <a:rPr lang="fr-FR" dirty="0" smtClean="0"/>
+              <a:t>              Variable : Nom: chaine de caractère </a:t>
+            </a:r>
+          </a:p>
+          <a:p>
+            <a:pPr marL="36900" indent="0">
+              <a:buNone/>
+            </a:pPr>
+            <a:r>
+              <a:rPr lang="fr-FR" dirty="0" smtClean="0"/>
+              <a:t>Début :</a:t>
+            </a:r>
+          </a:p>
+          <a:p>
+            <a:pPr marL="36900" indent="0">
+              <a:buNone/>
+            </a:pPr>
+            <a:r>
+              <a:rPr lang="fr-FR" dirty="0" smtClean="0"/>
+              <a:t>           Ecrire (‘’ donner votre nom et prénom’’)</a:t>
+            </a:r>
+          </a:p>
+          <a:p>
+            <a:pPr marL="36900" indent="0">
+              <a:buNone/>
+            </a:pPr>
+            <a:r>
+              <a:rPr lang="fr-FR" dirty="0" smtClean="0"/>
+              <a:t>           Lire (‘’ Nom et prénom’’)</a:t>
+            </a:r>
+          </a:p>
+          <a:p>
+            <a:pPr marL="36900" indent="0">
+              <a:buNone/>
+            </a:pPr>
+            <a:r>
+              <a:rPr lang="fr-FR" dirty="0" smtClean="0"/>
+              <a:t>         Fin</a:t>
+            </a:r>
+          </a:p>
+          <a:p>
+            <a:pPr marL="36900" indent="0">
+              <a:buNone/>
+            </a:pPr>
+            <a:endParaRPr lang="fr-FR" dirty="0"/>
+          </a:p>
+        </p:txBody>
+      </p:sp>
+      <p:cxnSp>
+        <p:nvCxnSpPr>
+          <p:cNvPr id="6" name="Connecteur droit avec flèche 5"/>
+          <p:cNvCxnSpPr/>
+          <p:nvPr/>
+        </p:nvCxnSpPr>
+        <p:spPr>
+          <a:xfrm rot="10800000" flipV="1">
+            <a:off x="2037806" y="2442753"/>
+            <a:ext cx="378823" cy="13063"/>
           </a:xfrm>
           <a:prstGeom prst="straightConnector1">
             <a:avLst/>
@@ -6929,209 +7284,7 @@
     </p:spTree>
     <p:extLst>
       <p:ext uri="{BB962C8B-B14F-4D97-AF65-F5344CB8AC3E}">
-        <p14:creationId xmlns:p14="http://schemas.microsoft.com/office/powerpoint/2010/main" xmlns="" val="4037645163"/>
-      </p:ext>
-    </p:extLst>
-  </p:cSld>
-  <p:clrMapOvr>
-    <a:masterClrMapping/>
-  </p:clrMapOvr>
-</p:sld>
-</file>
-
-<file path=ppt/slides/slide5.xml><?xml version="1.0" encoding="utf-8"?>
-<p:sld xmlns:a="http://schemas.openxmlformats.org/drawingml/2006/main" xmlns:r="http://schemas.openxmlformats.org/officeDocument/2006/relationships" xmlns:p="http://schemas.openxmlformats.org/presentationml/2006/main">
-  <p:cSld>
-    <p:spTree>
-      <p:nvGrpSpPr>
-        <p:cNvPr id="1" name=""/>
-        <p:cNvGrpSpPr/>
-        <p:nvPr/>
-      </p:nvGrpSpPr>
-      <p:grpSpPr>
-        <a:xfrm>
-          <a:off x="0" y="0"/>
-          <a:ext cx="0" cy="0"/>
-          <a:chOff x="0" y="0"/>
-          <a:chExt cx="0" cy="0"/>
-        </a:xfrm>
-      </p:grpSpPr>
-      <p:sp>
-        <p:nvSpPr>
-          <p:cNvPr id="3" name="Espace réservé du contenu 2"/>
-          <p:cNvSpPr>
-            <a:spLocks noGrp="1"/>
-          </p:cNvSpPr>
-          <p:nvPr>
-            <p:ph idx="1"/>
-          </p:nvPr>
-        </p:nvSpPr>
-        <p:spPr>
-          <a:xfrm>
-            <a:off x="797886" y="260529"/>
-            <a:ext cx="10353762" cy="6436485"/>
-          </a:xfrm>
-        </p:spPr>
-        <p:txBody>
-          <a:bodyPr/>
-          <a:lstStyle/>
-          <a:p>
-            <a:pPr marL="36900" indent="0">
-              <a:buNone/>
-            </a:pPr>
-            <a:r>
-              <a:rPr lang="fr-FR" dirty="0" smtClean="0"/>
-              <a:t> Algorithme : </a:t>
-            </a:r>
-            <a:r>
-              <a:rPr lang="fr-FR" dirty="0" smtClean="0"/>
-              <a:t>carré</a:t>
-            </a:r>
-            <a:endParaRPr lang="fr-FR" dirty="0" smtClean="0"/>
-          </a:p>
-          <a:p>
-            <a:pPr marL="36900" indent="0">
-              <a:buNone/>
-            </a:pPr>
-            <a:r>
-              <a:rPr lang="fr-FR" dirty="0" smtClean="0"/>
-              <a:t>            Variable : A , B , C : </a:t>
-            </a:r>
-            <a:r>
-              <a:rPr lang="fr-FR" dirty="0" smtClean="0"/>
-              <a:t>Réel </a:t>
-            </a:r>
-            <a:endParaRPr lang="fr-FR" dirty="0" smtClean="0"/>
-          </a:p>
-          <a:p>
-            <a:pPr marL="36900" indent="0">
-              <a:buNone/>
-            </a:pPr>
-            <a:r>
-              <a:rPr lang="fr-FR" dirty="0" smtClean="0"/>
-              <a:t>Début :</a:t>
-            </a:r>
-          </a:p>
-          <a:p>
-            <a:pPr marL="36900" indent="0">
-              <a:buNone/>
-            </a:pPr>
-            <a:r>
-              <a:rPr lang="fr-FR" dirty="0" smtClean="0"/>
-              <a:t>           Ecrire (‘’  Donner </a:t>
-            </a:r>
-            <a:r>
-              <a:rPr lang="fr-FR" dirty="0" smtClean="0"/>
-              <a:t>deux nombre Réel’’)</a:t>
-            </a:r>
-            <a:endParaRPr lang="fr-FR" dirty="0" smtClean="0"/>
-          </a:p>
-          <a:p>
-            <a:pPr marL="36900" indent="0">
-              <a:buNone/>
-            </a:pPr>
-            <a:r>
-              <a:rPr lang="fr-FR" dirty="0" smtClean="0"/>
-              <a:t>           Lire (‘’ A</a:t>
-            </a:r>
-            <a:r>
-              <a:rPr lang="fr-FR" dirty="0" smtClean="0"/>
-              <a:t>’’)</a:t>
-            </a:r>
-          </a:p>
-          <a:p>
-            <a:pPr marL="36900" indent="0">
-              <a:buNone/>
-            </a:pPr>
-            <a:r>
-              <a:rPr lang="fr-FR" dirty="0" smtClean="0"/>
-              <a:t>           </a:t>
-            </a:r>
-            <a:r>
-              <a:rPr lang="fr-FR" dirty="0" smtClean="0"/>
-              <a:t>Lire (‘’ </a:t>
-            </a:r>
-            <a:r>
-              <a:rPr lang="fr-FR" dirty="0" smtClean="0"/>
-              <a:t>B’’)</a:t>
-            </a:r>
-            <a:endParaRPr lang="fr-FR" dirty="0" smtClean="0"/>
-          </a:p>
-          <a:p>
-            <a:pPr marL="36900" indent="0">
-              <a:buNone/>
-            </a:pPr>
-            <a:r>
-              <a:rPr lang="fr-FR" dirty="0" smtClean="0"/>
-              <a:t>             C        A*B</a:t>
-            </a:r>
-          </a:p>
-          <a:p>
-            <a:pPr marL="36900" indent="0">
-              <a:buNone/>
-            </a:pPr>
-            <a:r>
-              <a:rPr lang="fr-FR" dirty="0" smtClean="0"/>
-              <a:t> </a:t>
-            </a:r>
-            <a:r>
-              <a:rPr lang="fr-FR" dirty="0" smtClean="0"/>
-              <a:t>          Ecrire (‘’Le carré est’’ B)</a:t>
-            </a:r>
-            <a:endParaRPr lang="fr-FR" dirty="0" smtClean="0"/>
-          </a:p>
-          <a:p>
-            <a:pPr marL="36900" indent="0">
-              <a:buNone/>
-            </a:pPr>
-            <a:r>
-              <a:rPr lang="fr-FR" dirty="0" smtClean="0"/>
-              <a:t>         Fin</a:t>
-            </a:r>
-            <a:endParaRPr lang="fr-FR" dirty="0"/>
-          </a:p>
-        </p:txBody>
-      </p:sp>
-      <p:cxnSp>
-        <p:nvCxnSpPr>
-          <p:cNvPr id="5" name="Connecteur droit avec flèche 4"/>
-          <p:cNvCxnSpPr/>
-          <p:nvPr/>
-        </p:nvCxnSpPr>
-        <p:spPr>
-          <a:xfrm rot="10800000">
-            <a:off x="2076988" y="3122019"/>
-            <a:ext cx="431074" cy="1588"/>
-          </a:xfrm>
-          <a:prstGeom prst="straightConnector1">
-            <a:avLst/>
-          </a:prstGeom>
-          <a:ln>
-            <a:solidFill>
-              <a:schemeClr val="tx1"/>
-            </a:solidFill>
-            <a:tailEnd type="arrow"/>
-          </a:ln>
-        </p:spPr>
-        <p:style>
-          <a:lnRef idx="3">
-            <a:schemeClr val="accent2"/>
-          </a:lnRef>
-          <a:fillRef idx="0">
-            <a:schemeClr val="accent2"/>
-          </a:fillRef>
-          <a:effectRef idx="2">
-            <a:schemeClr val="accent2"/>
-          </a:effectRef>
-          <a:fontRef idx="minor">
-            <a:schemeClr val="tx1"/>
-          </a:fontRef>
-        </p:style>
-      </p:cxnSp>
-    </p:spTree>
-    <p:extLst>
-      <p:ext uri="{BB962C8B-B14F-4D97-AF65-F5344CB8AC3E}">
-        <p14:creationId xmlns:p14="http://schemas.microsoft.com/office/powerpoint/2010/main" xmlns="" val="1028630611"/>
+        <p14:creationId xmlns="" xmlns:p14="http://schemas.microsoft.com/office/powerpoint/2010/main" val="1028630611"/>
       </p:ext>
     </p:extLst>
   </p:cSld>
@@ -7377,7 +7530,7 @@
   <a:extraClrSchemeLst/>
   <a:extLst>
     <a:ext uri="{05A4C25C-085E-4340-85A3-A5531E510DB2}">
-      <thm15:themeFamily xmlns="" xmlns:thm15="http://schemas.microsoft.com/office/thememl/2012/main" name="SlateVTI" id="{35C4A07C-0176-4A32-9BCB-B016516853F0}" vid="{9B70D35C-BCA8-4715-BB49-8BE54A7FC07C}"/>
+      <thm15:themeFamily xmlns:thm15="http://schemas.microsoft.com/office/thememl/2012/main" xmlns="" name="SlateVTI" id="{35C4A07C-0176-4A32-9BCB-B016516853F0}" vid="{9B70D35C-BCA8-4715-BB49-8BE54A7FC07C}"/>
     </a:ext>
   </a:extLst>
 </a:theme>
